--- a/lec/01-WhatIsSoftwareEngineering.pptx
+++ b/lec/01-WhatIsSoftwareEngineering.pptx
@@ -272,7 +272,7 @@
           <a:p>
             <a:fld id="{929E2CB6-6133-4DAC-8C84-7DE04A7CD06B}" type="datetimeFigureOut">
               <a:rPr lang="en-US" smtClean="0"/>
-              <a:t>10/1/2018</a:t>
+              <a:t>9/30/2019</a:t>
             </a:fld>
             <a:endParaRPr lang="en-US"/>
           </a:p>
@@ -464,7 +464,7 @@
               <a:pPr>
                 <a:defRPr/>
               </a:pPr>
-              <a:t>10/1/2018</a:t>
+              <a:t>9/30/2019</a:t>
             </a:fld>
             <a:endParaRPr lang="en-US" dirty="0"/>
           </a:p>
@@ -3908,11 +3908,6 @@
               </a:rPr>
               <a:t>Does Software align with modern economics?</a:t>
             </a:r>
-            <a:endParaRPr lang="en-US" sz="2400" dirty="0" smtClean="0">
-              <a:solidFill>
-                <a:schemeClr val="bg1"/>
-              </a:solidFill>
-            </a:endParaRPr>
           </a:p>
         </p:txBody>
       </p:sp>
@@ -5750,11 +5745,7 @@
             </a:r>
             <a:r>
               <a:rPr lang="en-US" smtClean="0"/>
-              <a:t>does </a:t>
-            </a:r>
-            <a:r>
-              <a:rPr lang="en-US" smtClean="0"/>
-              <a:t>deteriorate / age</a:t>
+              <a:t>does deteriorate / age</a:t>
             </a:r>
             <a:endParaRPr lang="en-US" dirty="0" smtClean="0"/>
           </a:p>
@@ -5894,9 +5885,14 @@
           <a:p>
             <a:pPr lvl="1"/>
             <a:r>
-              <a:rPr lang="en-US" dirty="0" smtClean="0"/>
-              <a:t>MSVC 2017</a:t>
-            </a:r>
+              <a:rPr lang="en-US" smtClean="0"/>
+              <a:t>MSVC </a:t>
+            </a:r>
+            <a:r>
+              <a:rPr lang="en-US" smtClean="0"/>
+              <a:t>2019</a:t>
+            </a:r>
+            <a:endParaRPr lang="en-US" dirty="0" smtClean="0"/>
           </a:p>
           <a:p>
             <a:pPr lvl="2"/>
